--- a/Personal Proposal/Factors Associated with Menstrual Hygiene^J Workplace Sanitation.pptx
+++ b/Personal Proposal/Factors Associated with Menstrual Hygiene^J Workplace Sanitation.pptx
@@ -4,6 +4,9 @@
   <p:sldMasterIdLst>
     <p:sldMasterId id="2147483852" r:id="rId1"/>
   </p:sldMasterIdLst>
+  <p:notesMasterIdLst>
+    <p:notesMasterId r:id="rId23"/>
+  </p:notesMasterIdLst>
   <p:sldIdLst>
     <p:sldId id="256" r:id="rId2"/>
     <p:sldId id="257" r:id="rId3"/>
@@ -23,8 +26,9 @@
     <p:sldId id="272" r:id="rId17"/>
     <p:sldId id="273" r:id="rId18"/>
     <p:sldId id="274" r:id="rId19"/>
-    <p:sldId id="275" r:id="rId20"/>
-    <p:sldId id="276" r:id="rId21"/>
+    <p:sldId id="277" r:id="rId20"/>
+    <p:sldId id="275" r:id="rId21"/>
+    <p:sldId id="276" r:id="rId22"/>
   </p:sldIdLst>
   <p:sldSz cx="12192000" cy="6858000"/>
   <p:notesSz cx="6858000" cy="9144000"/>
@@ -142,6 +146,445 @@
 </p:presentation>
 </file>
 
+<file path=ppt/notesMasters/notesMaster1.xml><?xml version="1.0" encoding="utf-8"?>
+<p:notesMaster xmlns:a="http://schemas.openxmlformats.org/drawingml/2006/main" xmlns:r="http://schemas.openxmlformats.org/officeDocument/2006/relationships" xmlns:p="http://schemas.openxmlformats.org/presentationml/2006/main">
+  <p:cSld>
+    <p:bg>
+      <p:bgRef idx="1001">
+        <a:schemeClr val="bg1"/>
+      </p:bgRef>
+    </p:bg>
+    <p:spTree>
+      <p:nvGrpSpPr>
+        <p:cNvPr id="1" name=""/>
+        <p:cNvGrpSpPr/>
+        <p:nvPr/>
+      </p:nvGrpSpPr>
+      <p:grpSpPr>
+        <a:xfrm>
+          <a:off x="0" y="0"/>
+          <a:ext cx="0" cy="0"/>
+          <a:chOff x="0" y="0"/>
+          <a:chExt cx="0" cy="0"/>
+        </a:xfrm>
+      </p:grpSpPr>
+      <p:sp>
+        <p:nvSpPr>
+          <p:cNvPr id="2" name="Header Placeholder 1"/>
+          <p:cNvSpPr>
+            <a:spLocks noGrp="1"/>
+          </p:cNvSpPr>
+          <p:nvPr>
+            <p:ph type="hdr" sz="quarter"/>
+          </p:nvPr>
+        </p:nvSpPr>
+        <p:spPr>
+          <a:xfrm>
+            <a:off x="0" y="0"/>
+            <a:ext cx="2971800" cy="458788"/>
+          </a:xfrm>
+          <a:prstGeom prst="rect">
+            <a:avLst/>
+          </a:prstGeom>
+        </p:spPr>
+        <p:txBody>
+          <a:bodyPr vert="horz" lIns="91440" tIns="45720" rIns="91440" bIns="45720" rtlCol="0"/>
+          <a:lstStyle>
+            <a:lvl1pPr algn="l">
+              <a:defRPr sz="1200"/>
+            </a:lvl1pPr>
+          </a:lstStyle>
+          <a:p>
+            <a:endParaRPr lang="en-US"/>
+          </a:p>
+        </p:txBody>
+      </p:sp>
+      <p:sp>
+        <p:nvSpPr>
+          <p:cNvPr id="3" name="Date Placeholder 2"/>
+          <p:cNvSpPr>
+            <a:spLocks noGrp="1"/>
+          </p:cNvSpPr>
+          <p:nvPr>
+            <p:ph type="dt" idx="1"/>
+          </p:nvPr>
+        </p:nvSpPr>
+        <p:spPr>
+          <a:xfrm>
+            <a:off x="3884613" y="0"/>
+            <a:ext cx="2971800" cy="458788"/>
+          </a:xfrm>
+          <a:prstGeom prst="rect">
+            <a:avLst/>
+          </a:prstGeom>
+        </p:spPr>
+        <p:txBody>
+          <a:bodyPr vert="horz" lIns="91440" tIns="45720" rIns="91440" bIns="45720" rtlCol="0"/>
+          <a:lstStyle>
+            <a:lvl1pPr algn="r">
+              <a:defRPr sz="1200"/>
+            </a:lvl1pPr>
+          </a:lstStyle>
+          <a:p>
+            <a:fld id="{919AD2CD-A28F-4BD8-A251-094808F8F01D}" type="datetimeFigureOut">
+              <a:rPr lang="en-US" smtClean="0"/>
+              <a:t>6/9/2024</a:t>
+            </a:fld>
+            <a:endParaRPr lang="en-US"/>
+          </a:p>
+        </p:txBody>
+      </p:sp>
+      <p:sp>
+        <p:nvSpPr>
+          <p:cNvPr id="4" name="Slide Image Placeholder 3"/>
+          <p:cNvSpPr>
+            <a:spLocks noGrp="1" noRot="1" noChangeAspect="1"/>
+          </p:cNvSpPr>
+          <p:nvPr>
+            <p:ph type="sldImg" idx="2"/>
+          </p:nvPr>
+        </p:nvSpPr>
+        <p:spPr>
+          <a:xfrm>
+            <a:off x="685800" y="1143000"/>
+            <a:ext cx="5486400" cy="3086100"/>
+          </a:xfrm>
+          <a:prstGeom prst="rect">
+            <a:avLst/>
+          </a:prstGeom>
+          <a:noFill/>
+          <a:ln w="12700">
+            <a:solidFill>
+              <a:prstClr val="black"/>
+            </a:solidFill>
+          </a:ln>
+        </p:spPr>
+        <p:txBody>
+          <a:bodyPr vert="horz" lIns="91440" tIns="45720" rIns="91440" bIns="45720" rtlCol="0" anchor="ctr"/>
+          <a:lstStyle/>
+          <a:p>
+            <a:endParaRPr lang="en-US"/>
+          </a:p>
+        </p:txBody>
+      </p:sp>
+      <p:sp>
+        <p:nvSpPr>
+          <p:cNvPr id="5" name="Notes Placeholder 4"/>
+          <p:cNvSpPr>
+            <a:spLocks noGrp="1"/>
+          </p:cNvSpPr>
+          <p:nvPr>
+            <p:ph type="body" sz="quarter" idx="3"/>
+          </p:nvPr>
+        </p:nvSpPr>
+        <p:spPr>
+          <a:xfrm>
+            <a:off x="685800" y="4400550"/>
+            <a:ext cx="5486400" cy="3600450"/>
+          </a:xfrm>
+          <a:prstGeom prst="rect">
+            <a:avLst/>
+          </a:prstGeom>
+        </p:spPr>
+        <p:txBody>
+          <a:bodyPr vert="horz" lIns="91440" tIns="45720" rIns="91440" bIns="45720" rtlCol="0"/>
+          <a:lstStyle/>
+          <a:p>
+            <a:pPr lvl="0"/>
+            <a:r>
+              <a:rPr lang="en-US"/>
+              <a:t>Click to edit Master text styles</a:t>
+            </a:r>
+          </a:p>
+          <a:p>
+            <a:pPr lvl="1"/>
+            <a:r>
+              <a:rPr lang="en-US"/>
+              <a:t>Second level</a:t>
+            </a:r>
+          </a:p>
+          <a:p>
+            <a:pPr lvl="2"/>
+            <a:r>
+              <a:rPr lang="en-US"/>
+              <a:t>Third level</a:t>
+            </a:r>
+          </a:p>
+          <a:p>
+            <a:pPr lvl="3"/>
+            <a:r>
+              <a:rPr lang="en-US"/>
+              <a:t>Fourth level</a:t>
+            </a:r>
+          </a:p>
+          <a:p>
+            <a:pPr lvl="4"/>
+            <a:r>
+              <a:rPr lang="en-US"/>
+              <a:t>Fifth level</a:t>
+            </a:r>
+          </a:p>
+        </p:txBody>
+      </p:sp>
+      <p:sp>
+        <p:nvSpPr>
+          <p:cNvPr id="6" name="Footer Placeholder 5"/>
+          <p:cNvSpPr>
+            <a:spLocks noGrp="1"/>
+          </p:cNvSpPr>
+          <p:nvPr>
+            <p:ph type="ftr" sz="quarter" idx="4"/>
+          </p:nvPr>
+        </p:nvSpPr>
+        <p:spPr>
+          <a:xfrm>
+            <a:off x="0" y="8685213"/>
+            <a:ext cx="2971800" cy="458787"/>
+          </a:xfrm>
+          <a:prstGeom prst="rect">
+            <a:avLst/>
+          </a:prstGeom>
+        </p:spPr>
+        <p:txBody>
+          <a:bodyPr vert="horz" lIns="91440" tIns="45720" rIns="91440" bIns="45720" rtlCol="0" anchor="b"/>
+          <a:lstStyle>
+            <a:lvl1pPr algn="l">
+              <a:defRPr sz="1200"/>
+            </a:lvl1pPr>
+          </a:lstStyle>
+          <a:p>
+            <a:endParaRPr lang="en-US"/>
+          </a:p>
+        </p:txBody>
+      </p:sp>
+      <p:sp>
+        <p:nvSpPr>
+          <p:cNvPr id="7" name="Slide Number Placeholder 6"/>
+          <p:cNvSpPr>
+            <a:spLocks noGrp="1"/>
+          </p:cNvSpPr>
+          <p:nvPr>
+            <p:ph type="sldNum" sz="quarter" idx="5"/>
+          </p:nvPr>
+        </p:nvSpPr>
+        <p:spPr>
+          <a:xfrm>
+            <a:off x="3884613" y="8685213"/>
+            <a:ext cx="2971800" cy="458787"/>
+          </a:xfrm>
+          <a:prstGeom prst="rect">
+            <a:avLst/>
+          </a:prstGeom>
+        </p:spPr>
+        <p:txBody>
+          <a:bodyPr vert="horz" lIns="91440" tIns="45720" rIns="91440" bIns="45720" rtlCol="0" anchor="b"/>
+          <a:lstStyle>
+            <a:lvl1pPr algn="r">
+              <a:defRPr sz="1200"/>
+            </a:lvl1pPr>
+          </a:lstStyle>
+          <a:p>
+            <a:fld id="{068AB529-A287-4677-839F-54F2532A263B}" type="slidenum">
+              <a:rPr lang="en-US" smtClean="0"/>
+              <a:t>‹#›</a:t>
+            </a:fld>
+            <a:endParaRPr lang="en-US"/>
+          </a:p>
+        </p:txBody>
+      </p:sp>
+    </p:spTree>
+    <p:extLst>
+      <p:ext uri="{BB962C8B-B14F-4D97-AF65-F5344CB8AC3E}">
+        <p14:creationId xmlns:p14="http://schemas.microsoft.com/office/powerpoint/2010/main" val="2728633784"/>
+      </p:ext>
+    </p:extLst>
+  </p:cSld>
+  <p:clrMap bg1="lt1" tx1="dk1" bg2="lt2" tx2="dk2" accent1="accent1" accent2="accent2" accent3="accent3" accent4="accent4" accent5="accent5" accent6="accent6" hlink="hlink" folHlink="folHlink"/>
+  <p:notesStyle>
+    <a:lvl1pPr marL="0" algn="l" defTabSz="914400" rtl="0" eaLnBrk="1" latinLnBrk="0" hangingPunct="1">
+      <a:defRPr sz="1200" kern="1200">
+        <a:solidFill>
+          <a:schemeClr val="tx1"/>
+        </a:solidFill>
+        <a:latin typeface="+mn-lt"/>
+        <a:ea typeface="+mn-ea"/>
+        <a:cs typeface="+mn-cs"/>
+      </a:defRPr>
+    </a:lvl1pPr>
+    <a:lvl2pPr marL="457200" algn="l" defTabSz="914400" rtl="0" eaLnBrk="1" latinLnBrk="0" hangingPunct="1">
+      <a:defRPr sz="1200" kern="1200">
+        <a:solidFill>
+          <a:schemeClr val="tx1"/>
+        </a:solidFill>
+        <a:latin typeface="+mn-lt"/>
+        <a:ea typeface="+mn-ea"/>
+        <a:cs typeface="+mn-cs"/>
+      </a:defRPr>
+    </a:lvl2pPr>
+    <a:lvl3pPr marL="914400" algn="l" defTabSz="914400" rtl="0" eaLnBrk="1" latinLnBrk="0" hangingPunct="1">
+      <a:defRPr sz="1200" kern="1200">
+        <a:solidFill>
+          <a:schemeClr val="tx1"/>
+        </a:solidFill>
+        <a:latin typeface="+mn-lt"/>
+        <a:ea typeface="+mn-ea"/>
+        <a:cs typeface="+mn-cs"/>
+      </a:defRPr>
+    </a:lvl3pPr>
+    <a:lvl4pPr marL="1371600" algn="l" defTabSz="914400" rtl="0" eaLnBrk="1" latinLnBrk="0" hangingPunct="1">
+      <a:defRPr sz="1200" kern="1200">
+        <a:solidFill>
+          <a:schemeClr val="tx1"/>
+        </a:solidFill>
+        <a:latin typeface="+mn-lt"/>
+        <a:ea typeface="+mn-ea"/>
+        <a:cs typeface="+mn-cs"/>
+      </a:defRPr>
+    </a:lvl4pPr>
+    <a:lvl5pPr marL="1828800" algn="l" defTabSz="914400" rtl="0" eaLnBrk="1" latinLnBrk="0" hangingPunct="1">
+      <a:defRPr sz="1200" kern="1200">
+        <a:solidFill>
+          <a:schemeClr val="tx1"/>
+        </a:solidFill>
+        <a:latin typeface="+mn-lt"/>
+        <a:ea typeface="+mn-ea"/>
+        <a:cs typeface="+mn-cs"/>
+      </a:defRPr>
+    </a:lvl5pPr>
+    <a:lvl6pPr marL="2286000" algn="l" defTabSz="914400" rtl="0" eaLnBrk="1" latinLnBrk="0" hangingPunct="1">
+      <a:defRPr sz="1200" kern="1200">
+        <a:solidFill>
+          <a:schemeClr val="tx1"/>
+        </a:solidFill>
+        <a:latin typeface="+mn-lt"/>
+        <a:ea typeface="+mn-ea"/>
+        <a:cs typeface="+mn-cs"/>
+      </a:defRPr>
+    </a:lvl6pPr>
+    <a:lvl7pPr marL="2743200" algn="l" defTabSz="914400" rtl="0" eaLnBrk="1" latinLnBrk="0" hangingPunct="1">
+      <a:defRPr sz="1200" kern="1200">
+        <a:solidFill>
+          <a:schemeClr val="tx1"/>
+        </a:solidFill>
+        <a:latin typeface="+mn-lt"/>
+        <a:ea typeface="+mn-ea"/>
+        <a:cs typeface="+mn-cs"/>
+      </a:defRPr>
+    </a:lvl7pPr>
+    <a:lvl8pPr marL="3200400" algn="l" defTabSz="914400" rtl="0" eaLnBrk="1" latinLnBrk="0" hangingPunct="1">
+      <a:defRPr sz="1200" kern="1200">
+        <a:solidFill>
+          <a:schemeClr val="tx1"/>
+        </a:solidFill>
+        <a:latin typeface="+mn-lt"/>
+        <a:ea typeface="+mn-ea"/>
+        <a:cs typeface="+mn-cs"/>
+      </a:defRPr>
+    </a:lvl8pPr>
+    <a:lvl9pPr marL="3657600" algn="l" defTabSz="914400" rtl="0" eaLnBrk="1" latinLnBrk="0" hangingPunct="1">
+      <a:defRPr sz="1200" kern="1200">
+        <a:solidFill>
+          <a:schemeClr val="tx1"/>
+        </a:solidFill>
+        <a:latin typeface="+mn-lt"/>
+        <a:ea typeface="+mn-ea"/>
+        <a:cs typeface="+mn-cs"/>
+      </a:defRPr>
+    </a:lvl9pPr>
+  </p:notesStyle>
+</p:notesMaster>
+</file>
+
+<file path=ppt/notesSlides/notesSlide1.xml><?xml version="1.0" encoding="utf-8"?>
+<p:notes xmlns:a="http://schemas.openxmlformats.org/drawingml/2006/main" xmlns:r="http://schemas.openxmlformats.org/officeDocument/2006/relationships" xmlns:p="http://schemas.openxmlformats.org/presentationml/2006/main">
+  <p:cSld>
+    <p:spTree>
+      <p:nvGrpSpPr>
+        <p:cNvPr id="1" name=""/>
+        <p:cNvGrpSpPr/>
+        <p:nvPr/>
+      </p:nvGrpSpPr>
+      <p:grpSpPr>
+        <a:xfrm>
+          <a:off x="0" y="0"/>
+          <a:ext cx="0" cy="0"/>
+          <a:chOff x="0" y="0"/>
+          <a:chExt cx="0" cy="0"/>
+        </a:xfrm>
+      </p:grpSpPr>
+      <p:sp>
+        <p:nvSpPr>
+          <p:cNvPr id="2" name="Slide Image Placeholder 1"/>
+          <p:cNvSpPr>
+            <a:spLocks noGrp="1" noRot="1" noChangeAspect="1"/>
+          </p:cNvSpPr>
+          <p:nvPr>
+            <p:ph type="sldImg"/>
+          </p:nvPr>
+        </p:nvSpPr>
+        <p:spPr/>
+      </p:sp>
+      <p:sp>
+        <p:nvSpPr>
+          <p:cNvPr id="3" name="Notes Placeholder 2"/>
+          <p:cNvSpPr>
+            <a:spLocks noGrp="1"/>
+          </p:cNvSpPr>
+          <p:nvPr>
+            <p:ph type="body" idx="1"/>
+          </p:nvPr>
+        </p:nvSpPr>
+        <p:spPr/>
+        <p:txBody>
+          <a:bodyPr/>
+          <a:lstStyle/>
+          <a:p>
+            <a:r>
+              <a:rPr lang="en-US" dirty="0"/>
+              <a:t>Itching/burning in the genital region, Burning/discomfort when urinating, Abnormal vaginal discharge, Unpleasant/fishy odor from the genital area</a:t>
+            </a:r>
+          </a:p>
+          <a:p>
+            <a:endParaRPr lang="en-US" dirty="0"/>
+          </a:p>
+        </p:txBody>
+      </p:sp>
+      <p:sp>
+        <p:nvSpPr>
+          <p:cNvPr id="4" name="Slide Number Placeholder 3"/>
+          <p:cNvSpPr>
+            <a:spLocks noGrp="1"/>
+          </p:cNvSpPr>
+          <p:nvPr>
+            <p:ph type="sldNum" sz="quarter" idx="5"/>
+          </p:nvPr>
+        </p:nvSpPr>
+        <p:spPr/>
+        <p:txBody>
+          <a:bodyPr/>
+          <a:lstStyle/>
+          <a:p>
+            <a:fld id="{068AB529-A287-4677-839F-54F2532A263B}" type="slidenum">
+              <a:rPr lang="en-US" smtClean="0"/>
+              <a:t>13</a:t>
+            </a:fld>
+            <a:endParaRPr lang="en-US"/>
+          </a:p>
+        </p:txBody>
+      </p:sp>
+    </p:spTree>
+    <p:extLst>
+      <p:ext uri="{BB962C8B-B14F-4D97-AF65-F5344CB8AC3E}">
+        <p14:creationId xmlns:p14="http://schemas.microsoft.com/office/powerpoint/2010/main" val="3718980768"/>
+      </p:ext>
+    </p:extLst>
+  </p:cSld>
+  <p:clrMapOvr>
+    <a:masterClrMapping/>
+  </p:clrMapOvr>
+</p:notes>
+</file>
+
 <file path=ppt/slideLayouts/slideLayout1.xml><?xml version="1.0" encoding="utf-8"?>
 <p:sldLayout xmlns:a="http://schemas.openxmlformats.org/drawingml/2006/main" xmlns:r="http://schemas.openxmlformats.org/officeDocument/2006/relationships" xmlns:p="http://schemas.openxmlformats.org/presentationml/2006/main" showMasterSp="0" type="title" preserve="1">
   <p:cSld name="Title Slide">
@@ -367,7 +810,7 @@
             <a:fld id="{5586B75A-687E-405C-8A0B-8D00578BA2C3}" type="datetimeFigureOut">
               <a:rPr lang="en-US" smtClean="0"/>
               <a:pPr/>
-              <a:t>5/24/2024</a:t>
+              <a:t>6/8/2024</a:t>
             </a:fld>
             <a:endParaRPr lang="en-US" dirty="0"/>
           </a:p>
@@ -539,7 +982,7 @@
             <a:fld id="{5586B75A-687E-405C-8A0B-8D00578BA2C3}" type="datetimeFigureOut">
               <a:rPr lang="en-US" smtClean="0"/>
               <a:pPr/>
-              <a:t>5/24/2024</a:t>
+              <a:t>6/8/2024</a:t>
             </a:fld>
             <a:endParaRPr lang="en-US" dirty="0"/>
           </a:p>
@@ -721,7 +1164,7 @@
             <a:fld id="{5586B75A-687E-405C-8A0B-8D00578BA2C3}" type="datetimeFigureOut">
               <a:rPr lang="en-US" smtClean="0"/>
               <a:pPr/>
-              <a:t>5/24/2024</a:t>
+              <a:t>6/8/2024</a:t>
             </a:fld>
             <a:endParaRPr lang="en-US" dirty="0"/>
           </a:p>
@@ -893,7 +1336,7 @@
             <a:fld id="{5586B75A-687E-405C-8A0B-8D00578BA2C3}" type="datetimeFigureOut">
               <a:rPr lang="en-US" smtClean="0"/>
               <a:pPr/>
-              <a:t>5/24/2024</a:t>
+              <a:t>6/8/2024</a:t>
             </a:fld>
             <a:endParaRPr lang="en-US" dirty="0"/>
           </a:p>
@@ -1153,7 +1596,7 @@
             <a:fld id="{5586B75A-687E-405C-8A0B-8D00578BA2C3}" type="datetimeFigureOut">
               <a:rPr lang="en-US" smtClean="0"/>
               <a:pPr/>
-              <a:t>5/24/2024</a:t>
+              <a:t>6/8/2024</a:t>
             </a:fld>
             <a:endParaRPr lang="en-US" dirty="0"/>
           </a:p>
@@ -1443,7 +1886,7 @@
             <a:fld id="{5586B75A-687E-405C-8A0B-8D00578BA2C3}" type="datetimeFigureOut">
               <a:rPr lang="en-US" smtClean="0"/>
               <a:pPr/>
-              <a:t>5/24/2024</a:t>
+              <a:t>6/8/2024</a:t>
             </a:fld>
             <a:endParaRPr lang="en-US" dirty="0"/>
           </a:p>
@@ -1887,7 +2330,7 @@
             <a:fld id="{5586B75A-687E-405C-8A0B-8D00578BA2C3}" type="datetimeFigureOut">
               <a:rPr lang="en-US" smtClean="0"/>
               <a:pPr/>
-              <a:t>5/24/2024</a:t>
+              <a:t>6/8/2024</a:t>
             </a:fld>
             <a:endParaRPr lang="en-US" dirty="0"/>
           </a:p>
@@ -2007,7 +2450,7 @@
             <a:fld id="{5586B75A-687E-405C-8A0B-8D00578BA2C3}" type="datetimeFigureOut">
               <a:rPr lang="en-US" smtClean="0"/>
               <a:pPr/>
-              <a:t>5/24/2024</a:t>
+              <a:t>6/8/2024</a:t>
             </a:fld>
             <a:endParaRPr lang="en-US" dirty="0"/>
           </a:p>
@@ -2104,7 +2547,7 @@
             <a:fld id="{5586B75A-687E-405C-8A0B-8D00578BA2C3}" type="datetimeFigureOut">
               <a:rPr lang="en-US" smtClean="0"/>
               <a:pPr/>
-              <a:t>5/24/2024</a:t>
+              <a:t>6/8/2024</a:t>
             </a:fld>
             <a:endParaRPr lang="en-US" dirty="0"/>
           </a:p>
@@ -2394,7 +2837,7 @@
             <a:fld id="{5586B75A-687E-405C-8A0B-8D00578BA2C3}" type="datetimeFigureOut">
               <a:rPr lang="en-US" smtClean="0"/>
               <a:pPr/>
-              <a:t>5/24/2024</a:t>
+              <a:t>6/8/2024</a:t>
             </a:fld>
             <a:endParaRPr lang="en-US" dirty="0"/>
           </a:p>
@@ -2669,7 +3112,7 @@
             <a:fld id="{5586B75A-687E-405C-8A0B-8D00578BA2C3}" type="datetimeFigureOut">
               <a:rPr lang="en-US" smtClean="0"/>
               <a:pPr/>
-              <a:t>5/24/2024</a:t>
+              <a:t>6/8/2024</a:t>
             </a:fld>
             <a:endParaRPr lang="en-US" dirty="0"/>
           </a:p>
@@ -2968,7 +3411,7 @@
             <a:fld id="{5586B75A-687E-405C-8A0B-8D00578BA2C3}" type="datetimeFigureOut">
               <a:rPr lang="en-US" smtClean="0"/>
               <a:pPr/>
-              <a:t>5/24/2024</a:t>
+              <a:t>6/8/2024</a:t>
             </a:fld>
             <a:endParaRPr lang="en-US" dirty="0"/>
           </a:p>
@@ -7457,7 +7900,7 @@
             <p:ph idx="1"/>
             <p:extLst>
               <p:ext uri="{D42A27DB-BD31-4B8C-83A1-F6EECF244321}">
-                <p14:modId xmlns:p14="http://schemas.microsoft.com/office/powerpoint/2010/main" val="1257502749"/>
+                <p14:modId xmlns:p14="http://schemas.microsoft.com/office/powerpoint/2010/main" val="4085683592"/>
               </p:ext>
             </p:extLst>
           </p:nvPr>
@@ -7520,7 +7963,7 @@
                       </a:r>
                     </a:p>
                   </a:txBody>
-                  <a:tcPr/>
+                  <a:tcPr anchor="ctr"/>
                 </a:tc>
                 <a:tc>
                   <a:txBody>
@@ -7539,7 +7982,7 @@
                       </a:r>
                     </a:p>
                   </a:txBody>
-                  <a:tcPr/>
+                  <a:tcPr anchor="ctr"/>
                 </a:tc>
                 <a:tc>
                   <a:txBody>
@@ -7558,7 +8001,7 @@
                       </a:r>
                     </a:p>
                   </a:txBody>
-                  <a:tcPr/>
+                  <a:tcPr anchor="ctr"/>
                 </a:tc>
                 <a:tc>
                   <a:txBody>
@@ -7577,7 +8020,7 @@
                       </a:r>
                     </a:p>
                   </a:txBody>
-                  <a:tcPr/>
+                  <a:tcPr anchor="ctr"/>
                 </a:tc>
                 <a:extLst>
                   <a:ext uri="{0D108BD9-81ED-4DB2-BD59-A6C34878D82A}">
@@ -7602,7 +8045,7 @@
                       </a:r>
                     </a:p>
                   </a:txBody>
-                  <a:tcPr/>
+                  <a:tcPr anchor="ctr"/>
                 </a:tc>
                 <a:tc>
                   <a:txBody>
@@ -7617,7 +8060,7 @@
                       </a:endParaRPr>
                     </a:p>
                   </a:txBody>
-                  <a:tcPr>
+                  <a:tcPr anchor="ctr">
                     <a:solidFill>
                       <a:schemeClr val="accent1"/>
                     </a:solidFill>
@@ -7636,7 +8079,7 @@
                       </a:endParaRPr>
                     </a:p>
                   </a:txBody>
-                  <a:tcPr/>
+                  <a:tcPr anchor="ctr"/>
                 </a:tc>
                 <a:tc>
                   <a:txBody>
@@ -7651,7 +8094,7 @@
                       </a:endParaRPr>
                     </a:p>
                   </a:txBody>
-                  <a:tcPr/>
+                  <a:tcPr anchor="ctr"/>
                 </a:tc>
                 <a:extLst>
                   <a:ext uri="{0D108BD9-81ED-4DB2-BD59-A6C34878D82A}">
@@ -7676,7 +8119,7 @@
                       </a:r>
                     </a:p>
                   </a:txBody>
-                  <a:tcPr/>
+                  <a:tcPr anchor="ctr"/>
                 </a:tc>
                 <a:tc>
                   <a:txBody>
@@ -7691,7 +8134,7 @@
                       </a:endParaRPr>
                     </a:p>
                   </a:txBody>
-                  <a:tcPr/>
+                  <a:tcPr anchor="ctr"/>
                 </a:tc>
                 <a:tc>
                   <a:txBody>
@@ -7708,7 +8151,7 @@
                       </a:endParaRPr>
                     </a:p>
                   </a:txBody>
-                  <a:tcPr>
+                  <a:tcPr anchor="ctr">
                     <a:solidFill>
                       <a:schemeClr val="accent1"/>
                     </a:solidFill>
@@ -7727,7 +8170,7 @@
                       </a:endParaRPr>
                     </a:p>
                   </a:txBody>
-                  <a:tcPr/>
+                  <a:tcPr anchor="ctr"/>
                 </a:tc>
                 <a:extLst>
                   <a:ext uri="{0D108BD9-81ED-4DB2-BD59-A6C34878D82A}">
@@ -7761,7 +8204,7 @@
                       </a:endParaRPr>
                     </a:p>
                   </a:txBody>
-                  <a:tcPr/>
+                  <a:tcPr anchor="ctr"/>
                 </a:tc>
                 <a:tc>
                   <a:txBody>
@@ -7776,7 +8219,7 @@
                       </a:endParaRPr>
                     </a:p>
                   </a:txBody>
-                  <a:tcPr/>
+                  <a:tcPr anchor="ctr"/>
                 </a:tc>
                 <a:tc>
                   <a:txBody>
@@ -7791,7 +8234,7 @@
                       </a:endParaRPr>
                     </a:p>
                   </a:txBody>
-                  <a:tcPr>
+                  <a:tcPr anchor="ctr">
                     <a:solidFill>
                       <a:schemeClr val="accent1"/>
                     </a:solidFill>
@@ -7810,7 +8253,7 @@
                       </a:endParaRPr>
                     </a:p>
                   </a:txBody>
-                  <a:tcPr/>
+                  <a:tcPr anchor="ctr"/>
                 </a:tc>
                 <a:extLst>
                   <a:ext uri="{0D108BD9-81ED-4DB2-BD59-A6C34878D82A}">
@@ -7844,7 +8287,7 @@
                       </a:endParaRPr>
                     </a:p>
                   </a:txBody>
-                  <a:tcPr/>
+                  <a:tcPr anchor="ctr"/>
                 </a:tc>
                 <a:tc>
                   <a:txBody>
@@ -7859,7 +8302,7 @@
                       </a:endParaRPr>
                     </a:p>
                   </a:txBody>
-                  <a:tcPr/>
+                  <a:tcPr anchor="ctr"/>
                 </a:tc>
                 <a:tc>
                   <a:txBody>
@@ -7874,7 +8317,7 @@
                       </a:endParaRPr>
                     </a:p>
                   </a:txBody>
-                  <a:tcPr>
+                  <a:tcPr anchor="ctr">
                     <a:solidFill>
                       <a:schemeClr val="accent1"/>
                     </a:solidFill>
@@ -7893,7 +8336,7 @@
                       </a:endParaRPr>
                     </a:p>
                   </a:txBody>
-                  <a:tcPr/>
+                  <a:tcPr anchor="ctr"/>
                 </a:tc>
                 <a:extLst>
                   <a:ext uri="{0D108BD9-81ED-4DB2-BD59-A6C34878D82A}">
@@ -7927,7 +8370,7 @@
                       </a:endParaRPr>
                     </a:p>
                   </a:txBody>
-                  <a:tcPr/>
+                  <a:tcPr anchor="ctr"/>
                 </a:tc>
                 <a:tc>
                   <a:txBody>
@@ -7942,7 +8385,7 @@
                       </a:endParaRPr>
                     </a:p>
                   </a:txBody>
-                  <a:tcPr/>
+                  <a:tcPr anchor="ctr"/>
                 </a:tc>
                 <a:tc>
                   <a:txBody>
@@ -7957,7 +8400,7 @@
                       </a:endParaRPr>
                     </a:p>
                   </a:txBody>
-                  <a:tcPr/>
+                  <a:tcPr anchor="ctr"/>
                 </a:tc>
                 <a:tc>
                   <a:txBody>
@@ -7972,7 +8415,7 @@
                       </a:endParaRPr>
                     </a:p>
                   </a:txBody>
-                  <a:tcPr>
+                  <a:tcPr anchor="ctr">
                     <a:solidFill>
                       <a:schemeClr val="accent1"/>
                     </a:solidFill>
@@ -8010,7 +8453,7 @@
                       </a:endParaRPr>
                     </a:p>
                   </a:txBody>
-                  <a:tcPr/>
+                  <a:tcPr anchor="ctr"/>
                 </a:tc>
                 <a:tc>
                   <a:txBody>
@@ -8025,7 +8468,7 @@
                       </a:endParaRPr>
                     </a:p>
                   </a:txBody>
-                  <a:tcPr/>
+                  <a:tcPr anchor="ctr"/>
                 </a:tc>
                 <a:tc>
                   <a:txBody>
@@ -8040,7 +8483,7 @@
                       </a:endParaRPr>
                     </a:p>
                   </a:txBody>
-                  <a:tcPr/>
+                  <a:tcPr anchor="ctr"/>
                 </a:tc>
                 <a:tc>
                   <a:txBody>
@@ -8055,7 +8498,7 @@
                       </a:endParaRPr>
                     </a:p>
                   </a:txBody>
-                  <a:tcPr>
+                  <a:tcPr anchor="ctr">
                     <a:solidFill>
                       <a:schemeClr val="accent1"/>
                     </a:solidFill>
@@ -8093,7 +8536,7 @@
                       </a:endParaRPr>
                     </a:p>
                   </a:txBody>
-                  <a:tcPr/>
+                  <a:tcPr anchor="ctr"/>
                 </a:tc>
                 <a:tc>
                   <a:txBody>
@@ -8108,7 +8551,7 @@
                       </a:endParaRPr>
                     </a:p>
                   </a:txBody>
-                  <a:tcPr/>
+                  <a:tcPr anchor="ctr"/>
                 </a:tc>
                 <a:tc>
                   <a:txBody>
@@ -8123,7 +8566,7 @@
                       </a:endParaRPr>
                     </a:p>
                   </a:txBody>
-                  <a:tcPr/>
+                  <a:tcPr anchor="ctr"/>
                 </a:tc>
                 <a:tc>
                   <a:txBody>
@@ -8138,7 +8581,7 @@
                       </a:endParaRPr>
                     </a:p>
                   </a:txBody>
-                  <a:tcPr>
+                  <a:tcPr anchor="ctr">
                     <a:solidFill>
                       <a:schemeClr val="accent1"/>
                     </a:solidFill>
@@ -8203,7 +8646,7 @@
         <p:spPr>
           <a:xfrm>
             <a:off x="285750" y="1123837"/>
-            <a:ext cx="2828925" cy="4601183"/>
+            <a:ext cx="2800350" cy="4601183"/>
           </a:xfrm>
         </p:spPr>
         <p:style>
@@ -8231,156 +8674,442 @@
             <a:pPr algn="ctr"/>
             <a:r>
               <a:rPr lang="en-US" b="1" dirty="0">
-                <a:solidFill>
-                  <a:schemeClr val="lt1"/>
-                </a:solidFill>
                 <a:latin typeface="Garamond" panose="02020404030301010803" pitchFamily="18" charset="0"/>
-                <a:ea typeface="+mn-ea"/>
-                <a:cs typeface="+mn-cs"/>
               </a:rPr>
-              <a:t>References</a:t>
-            </a:r>
+              <a:t>Budget</a:t>
+            </a:r>
+            <a:endParaRPr lang="en-US" b="1" dirty="0">
+              <a:solidFill>
+                <a:schemeClr val="lt1"/>
+              </a:solidFill>
+              <a:latin typeface="Garamond" panose="02020404030301010803" pitchFamily="18" charset="0"/>
+              <a:ea typeface="+mn-ea"/>
+              <a:cs typeface="+mn-cs"/>
+            </a:endParaRPr>
           </a:p>
         </p:txBody>
       </p:sp>
-      <p:sp>
-        <p:nvSpPr>
-          <p:cNvPr id="3" name="Content Placeholder 2">
+      <p:graphicFrame>
+        <p:nvGraphicFramePr>
+          <p:cNvPr id="6" name="Content Placeholder 5">
             <a:extLst>
               <a:ext uri="{FF2B5EF4-FFF2-40B4-BE49-F238E27FC236}">
-                <a16:creationId xmlns:a16="http://schemas.microsoft.com/office/drawing/2014/main" id="{DB539917-1087-BAC1-84A9-78928572EBFE}"/>
+                <a16:creationId xmlns:a16="http://schemas.microsoft.com/office/drawing/2014/main" id="{61F749D8-813F-252E-42CF-FAAFDF4521E0}"/>
               </a:ext>
             </a:extLst>
           </p:cNvPr>
-          <p:cNvSpPr>
-            <a:spLocks noGrp="1"/>
-          </p:cNvSpPr>
+          <p:cNvGraphicFramePr>
+            <a:graphicFrameLocks noGrp="1"/>
+          </p:cNvGraphicFramePr>
           <p:nvPr>
             <p:ph idx="1"/>
+            <p:extLst>
+              <p:ext uri="{D42A27DB-BD31-4B8C-83A1-F6EECF244321}">
+                <p14:modId xmlns:p14="http://schemas.microsoft.com/office/powerpoint/2010/main" val="545088777"/>
+              </p:ext>
+            </p:extLst>
           </p:nvPr>
-        </p:nvSpPr>
-        <p:spPr>
-          <a:xfrm>
-            <a:off x="3892127" y="864108"/>
-            <a:ext cx="7903633" cy="5120640"/>
-          </a:xfrm>
-        </p:spPr>
-        <p:txBody>
-          <a:bodyPr>
-            <a:noAutofit/>
-          </a:bodyPr>
-          <a:lstStyle/>
-          <a:p>
-            <a:pPr marL="0" marR="0" indent="0" algn="just">
-              <a:lnSpc>
-                <a:spcPct val="100000"/>
-              </a:lnSpc>
-              <a:spcBef>
-                <a:spcPts val="0"/>
-              </a:spcBef>
-              <a:spcAft>
-                <a:spcPts val="800"/>
-              </a:spcAft>
-              <a:buNone/>
-            </a:pPr>
-            <a:r>
-              <a:rPr lang="en-US" sz="2800" dirty="0">
-                <a:solidFill>
-                  <a:schemeClr val="tx1"/>
-                </a:solidFill>
-                <a:effectLst/>
-                <a:latin typeface="Garamond" panose="02020404030301010803" pitchFamily="18" charset="0"/>
-                <a:ea typeface="Calibri" panose="020F0502020204030204" pitchFamily="34" charset="0"/>
-              </a:rPr>
-              <a:t>Ahmed, R., &amp; Yesmin, K. (2008). Menstrual hygiene: Breaking the silence. Beyond Construction: Use by All. A Collection of Case Studies from Sanitation and Hygiene Promotion Practitioners in South Asia. </a:t>
-            </a:r>
-          </a:p>
-          <a:p>
-            <a:pPr marL="0" marR="0" indent="0" algn="just">
-              <a:lnSpc>
-                <a:spcPct val="100000"/>
-              </a:lnSpc>
-              <a:spcBef>
-                <a:spcPts val="0"/>
-              </a:spcBef>
-              <a:spcAft>
-                <a:spcPts val="800"/>
-              </a:spcAft>
-              <a:buNone/>
-            </a:pPr>
-            <a:endParaRPr lang="en-US" sz="2800" dirty="0">
-              <a:solidFill>
-                <a:schemeClr val="tx1"/>
-              </a:solidFill>
-              <a:effectLst/>
-              <a:latin typeface="Garamond" panose="02020404030301010803" pitchFamily="18" charset="0"/>
-              <a:ea typeface="Calibri" panose="020F0502020204030204" pitchFamily="34" charset="0"/>
-            </a:endParaRPr>
-          </a:p>
-          <a:p>
-            <a:pPr marL="0" marR="0" indent="0" algn="just">
-              <a:lnSpc>
-                <a:spcPct val="100000"/>
-              </a:lnSpc>
-              <a:spcBef>
-                <a:spcPts val="0"/>
-              </a:spcBef>
-              <a:spcAft>
-                <a:spcPts val="800"/>
-              </a:spcAft>
-              <a:buNone/>
-            </a:pPr>
-            <a:r>
-              <a:rPr lang="en-US" sz="2800" dirty="0" err="1">
-                <a:solidFill>
-                  <a:schemeClr val="tx1"/>
-                </a:solidFill>
-                <a:effectLst/>
-                <a:latin typeface="Garamond" panose="02020404030301010803" pitchFamily="18" charset="0"/>
-                <a:ea typeface="Calibri" panose="020F0502020204030204" pitchFamily="34" charset="0"/>
-              </a:rPr>
-              <a:t>Hennegan</a:t>
-            </a:r>
-            <a:r>
-              <a:rPr lang="en-US" sz="2800" dirty="0">
-                <a:solidFill>
-                  <a:schemeClr val="tx1"/>
-                </a:solidFill>
-                <a:effectLst/>
-                <a:latin typeface="Garamond" panose="02020404030301010803" pitchFamily="18" charset="0"/>
-                <a:ea typeface="Calibri" panose="020F0502020204030204" pitchFamily="34" charset="0"/>
-              </a:rPr>
-              <a:t>, J., </a:t>
-            </a:r>
-            <a:r>
-              <a:rPr lang="en-US" sz="2800" dirty="0" err="1">
-                <a:solidFill>
-                  <a:schemeClr val="tx1"/>
-                </a:solidFill>
-                <a:effectLst/>
-                <a:latin typeface="Garamond" panose="02020404030301010803" pitchFamily="18" charset="0"/>
-                <a:ea typeface="Calibri" panose="020F0502020204030204" pitchFamily="34" charset="0"/>
-              </a:rPr>
-              <a:t>Kibira</a:t>
-            </a:r>
-            <a:r>
-              <a:rPr lang="en-US" sz="2800" dirty="0">
-                <a:solidFill>
-                  <a:schemeClr val="tx1"/>
-                </a:solidFill>
-                <a:effectLst/>
-                <a:latin typeface="Garamond" panose="02020404030301010803" pitchFamily="18" charset="0"/>
-                <a:ea typeface="Calibri" panose="020F0502020204030204" pitchFamily="34" charset="0"/>
-              </a:rPr>
-              <a:t>, S. P. S., Exum, N. G., Schwab, K. J., Makumbi, F. E., &amp; Bukenya, J. (2020). ’ I do what a woman should do’: a grounded theory study of women’s menstrual experiences at work in Mukono District, Uganda.</a:t>
-            </a:r>
-          </a:p>
-        </p:txBody>
-      </p:sp>
+        </p:nvGraphicFramePr>
+        <p:xfrm>
+          <a:off x="3868738" y="863601"/>
+          <a:ext cx="7332662" cy="5222872"/>
+        </p:xfrm>
+        <a:graphic>
+          <a:graphicData uri="http://schemas.openxmlformats.org/drawingml/2006/table">
+            <a:tbl>
+              <a:tblPr firstRow="1" bandRow="1">
+                <a:tableStyleId>{5C22544A-7EE6-4342-B048-85BDC9FD1C3A}</a:tableStyleId>
+              </a:tblPr>
+              <a:tblGrid>
+                <a:gridCol w="5447837">
+                  <a:extLst>
+                    <a:ext uri="{9D8B030D-6E8A-4147-A177-3AD203B41FA5}">
+                      <a16:colId xmlns:a16="http://schemas.microsoft.com/office/drawing/2014/main" val="710095354"/>
+                    </a:ext>
+                  </a:extLst>
+                </a:gridCol>
+                <a:gridCol w="1884825">
+                  <a:extLst>
+                    <a:ext uri="{9D8B030D-6E8A-4147-A177-3AD203B41FA5}">
+                      <a16:colId xmlns:a16="http://schemas.microsoft.com/office/drawing/2014/main" val="466806717"/>
+                    </a:ext>
+                  </a:extLst>
+                </a:gridCol>
+              </a:tblGrid>
+              <a:tr h="682812">
+                <a:tc>
+                  <a:txBody>
+                    <a:bodyPr/>
+                    <a:lstStyle/>
+                    <a:p>
+                      <a:pPr algn="ctr"/>
+                      <a:r>
+                        <a:rPr lang="en-US" dirty="0">
+                          <a:solidFill>
+                            <a:schemeClr val="tx1"/>
+                          </a:solidFill>
+                        </a:rPr>
+                        <a:t>Activities</a:t>
+                      </a:r>
+                      <a:endParaRPr lang="en-US" dirty="0">
+                        <a:solidFill>
+                          <a:schemeClr val="tx1"/>
+                        </a:solidFill>
+                        <a:latin typeface="Garamond" panose="02020404030301010803" pitchFamily="18" charset="0"/>
+                      </a:endParaRPr>
+                    </a:p>
+                  </a:txBody>
+                  <a:tcPr anchor="ctr"/>
+                </a:tc>
+                <a:tc>
+                  <a:txBody>
+                    <a:bodyPr/>
+                    <a:lstStyle/>
+                    <a:p>
+                      <a:pPr algn="ctr"/>
+                      <a:r>
+                        <a:rPr lang="en-US" dirty="0">
+                          <a:solidFill>
+                            <a:schemeClr val="tx1"/>
+                          </a:solidFill>
+                          <a:latin typeface="Garamond" panose="02020404030301010803" pitchFamily="18" charset="0"/>
+                        </a:rPr>
+                        <a:t>Total Taka</a:t>
+                      </a:r>
+                    </a:p>
+                  </a:txBody>
+                  <a:tcPr anchor="ctr"/>
+                </a:tc>
+                <a:extLst>
+                  <a:ext uri="{0D108BD9-81ED-4DB2-BD59-A6C34878D82A}">
+                    <a16:rowId xmlns:a16="http://schemas.microsoft.com/office/drawing/2014/main" val="2958874726"/>
+                  </a:ext>
+                </a:extLst>
+              </a:tr>
+              <a:tr h="682812">
+                <a:tc>
+                  <a:txBody>
+                    <a:bodyPr/>
+                    <a:lstStyle/>
+                    <a:p>
+                      <a:pPr algn="l"/>
+                      <a:r>
+                        <a:rPr lang="en-US" b="1" dirty="0">
+                          <a:solidFill>
+                            <a:schemeClr val="tx1"/>
+                          </a:solidFill>
+                        </a:rPr>
+                        <a:t>Personal Cost (PI, data analyst, and data entry)</a:t>
+                      </a:r>
+                      <a:endParaRPr lang="en-US" b="1" dirty="0">
+                        <a:solidFill>
+                          <a:schemeClr val="tx1"/>
+                        </a:solidFill>
+                        <a:latin typeface="Garamond" panose="02020404030301010803" pitchFamily="18" charset="0"/>
+                      </a:endParaRPr>
+                    </a:p>
+                  </a:txBody>
+                  <a:tcPr anchor="ctr"/>
+                </a:tc>
+                <a:tc>
+                  <a:txBody>
+                    <a:bodyPr/>
+                    <a:lstStyle/>
+                    <a:p>
+                      <a:pPr marL="0" algn="ctr" defTabSz="914400" rtl="0" eaLnBrk="1" latinLnBrk="0" hangingPunct="1"/>
+                      <a:r>
+                        <a:rPr lang="en-US" sz="1800" b="1" kern="1200" dirty="0">
+                          <a:solidFill>
+                            <a:schemeClr val="tx1"/>
+                          </a:solidFill>
+                          <a:latin typeface="Garamond" panose="02020404030301010803" pitchFamily="18" charset="0"/>
+                          <a:ea typeface="+mn-ea"/>
+                          <a:cs typeface="+mn-cs"/>
+                        </a:rPr>
+                        <a:t>60000.00</a:t>
+                      </a:r>
+                    </a:p>
+                  </a:txBody>
+                  <a:tcPr anchor="ctr"/>
+                </a:tc>
+                <a:extLst>
+                  <a:ext uri="{0D108BD9-81ED-4DB2-BD59-A6C34878D82A}">
+                    <a16:rowId xmlns:a16="http://schemas.microsoft.com/office/drawing/2014/main" val="3944723009"/>
+                  </a:ext>
+                </a:extLst>
+              </a:tr>
+              <a:tr h="819814">
+                <a:tc>
+                  <a:txBody>
+                    <a:bodyPr/>
+                    <a:lstStyle/>
+                    <a:p>
+                      <a:pPr algn="l"/>
+                      <a:r>
+                        <a:rPr lang="en-US" b="1" dirty="0">
+                          <a:solidFill>
+                            <a:schemeClr val="tx1"/>
+                          </a:solidFill>
+                        </a:rPr>
+                        <a:t>Field Activity Cost (Field supervisor, data enumerator, and travel cost)</a:t>
+                      </a:r>
+                      <a:endParaRPr lang="en-US" b="1" dirty="0">
+                        <a:solidFill>
+                          <a:schemeClr val="tx1"/>
+                        </a:solidFill>
+                        <a:latin typeface="Garamond" panose="02020404030301010803" pitchFamily="18" charset="0"/>
+                      </a:endParaRPr>
+                    </a:p>
+                  </a:txBody>
+                  <a:tcPr anchor="ctr"/>
+                </a:tc>
+                <a:tc>
+                  <a:txBody>
+                    <a:bodyPr/>
+                    <a:lstStyle/>
+                    <a:p>
+                      <a:pPr marL="0" algn="ctr" defTabSz="914400" rtl="0" eaLnBrk="1" latinLnBrk="0" hangingPunct="1"/>
+                      <a:r>
+                        <a:rPr lang="en-US" sz="1800" b="1" kern="1200" dirty="0">
+                          <a:solidFill>
+                            <a:schemeClr val="tx1"/>
+                          </a:solidFill>
+                          <a:latin typeface="Garamond" panose="02020404030301010803" pitchFamily="18" charset="0"/>
+                          <a:ea typeface="+mn-ea"/>
+                          <a:cs typeface="+mn-cs"/>
+                        </a:rPr>
+                        <a:t>30000.00</a:t>
+                      </a:r>
+                    </a:p>
+                  </a:txBody>
+                  <a:tcPr anchor="ctr"/>
+                </a:tc>
+                <a:extLst>
+                  <a:ext uri="{0D108BD9-81ED-4DB2-BD59-A6C34878D82A}">
+                    <a16:rowId xmlns:a16="http://schemas.microsoft.com/office/drawing/2014/main" val="3213127656"/>
+                  </a:ext>
+                </a:extLst>
+              </a:tr>
+              <a:tr h="767404">
+                <a:tc>
+                  <a:txBody>
+                    <a:bodyPr/>
+                    <a:lstStyle/>
+                    <a:p>
+                      <a:pPr algn="l"/>
+                      <a:r>
+                        <a:rPr lang="en-US" sz="1800" b="1" kern="1200" dirty="0">
+                          <a:solidFill>
+                            <a:schemeClr val="tx1"/>
+                          </a:solidFill>
+                          <a:effectLst/>
+                        </a:rPr>
+                        <a:t>Transportation Cost</a:t>
+                      </a:r>
+                      <a:endParaRPr lang="en-US" b="1" dirty="0">
+                        <a:solidFill>
+                          <a:schemeClr val="tx1"/>
+                        </a:solidFill>
+                        <a:latin typeface="Garamond" panose="02020404030301010803" pitchFamily="18" charset="0"/>
+                      </a:endParaRPr>
+                    </a:p>
+                  </a:txBody>
+                  <a:tcPr anchor="ctr"/>
+                </a:tc>
+                <a:tc>
+                  <a:txBody>
+                    <a:bodyPr/>
+                    <a:lstStyle/>
+                    <a:p>
+                      <a:pPr marL="0" algn="ctr" defTabSz="914400" rtl="0" eaLnBrk="1" latinLnBrk="0" hangingPunct="1"/>
+                      <a:r>
+                        <a:rPr lang="en-US" sz="1800" b="1" kern="1200" dirty="0">
+                          <a:solidFill>
+                            <a:schemeClr val="tx1"/>
+                          </a:solidFill>
+                          <a:latin typeface="Garamond" panose="02020404030301010803" pitchFamily="18" charset="0"/>
+                          <a:ea typeface="+mn-ea"/>
+                          <a:cs typeface="+mn-cs"/>
+                        </a:rPr>
+                        <a:t>10000.00</a:t>
+                      </a:r>
+                    </a:p>
+                  </a:txBody>
+                  <a:tcPr anchor="ctr"/>
+                </a:tc>
+                <a:extLst>
+                  <a:ext uri="{0D108BD9-81ED-4DB2-BD59-A6C34878D82A}">
+                    <a16:rowId xmlns:a16="http://schemas.microsoft.com/office/drawing/2014/main" val="1471576852"/>
+                  </a:ext>
+                </a:extLst>
+              </a:tr>
+              <a:tr h="819814">
+                <a:tc>
+                  <a:txBody>
+                    <a:bodyPr/>
+                    <a:lstStyle/>
+                    <a:p>
+                      <a:pPr algn="l"/>
+                      <a:r>
+                        <a:rPr lang="en-US" sz="1800" b="1" kern="1200" dirty="0">
+                          <a:solidFill>
+                            <a:schemeClr val="tx1"/>
+                          </a:solidFill>
+                          <a:effectLst/>
+                        </a:rPr>
+                        <a:t>Professional Service (Honorarium for reviewer and language expert)</a:t>
+                      </a:r>
+                      <a:endParaRPr lang="en-US" b="1" dirty="0">
+                        <a:solidFill>
+                          <a:schemeClr val="tx1"/>
+                        </a:solidFill>
+                        <a:latin typeface="Garamond" panose="02020404030301010803" pitchFamily="18" charset="0"/>
+                      </a:endParaRPr>
+                    </a:p>
+                  </a:txBody>
+                  <a:tcPr anchor="ctr"/>
+                </a:tc>
+                <a:tc>
+                  <a:txBody>
+                    <a:bodyPr/>
+                    <a:lstStyle/>
+                    <a:p>
+                      <a:pPr marL="0" algn="ctr" defTabSz="914400" rtl="0" eaLnBrk="1" latinLnBrk="0" hangingPunct="1"/>
+                      <a:r>
+                        <a:rPr lang="en-US" sz="1800" b="1" kern="1200" dirty="0">
+                          <a:solidFill>
+                            <a:schemeClr val="tx1"/>
+                          </a:solidFill>
+                          <a:latin typeface="Garamond" panose="02020404030301010803" pitchFamily="18" charset="0"/>
+                          <a:ea typeface="+mn-ea"/>
+                          <a:cs typeface="+mn-cs"/>
+                        </a:rPr>
+                        <a:t>40000.00</a:t>
+                      </a:r>
+                    </a:p>
+                  </a:txBody>
+                  <a:tcPr anchor="ctr"/>
+                </a:tc>
+                <a:extLst>
+                  <a:ext uri="{0D108BD9-81ED-4DB2-BD59-A6C34878D82A}">
+                    <a16:rowId xmlns:a16="http://schemas.microsoft.com/office/drawing/2014/main" val="1186091504"/>
+                  </a:ext>
+                </a:extLst>
+              </a:tr>
+              <a:tr h="682812">
+                <a:tc>
+                  <a:txBody>
+                    <a:bodyPr/>
+                    <a:lstStyle/>
+                    <a:p>
+                      <a:pPr algn="l"/>
+                      <a:r>
+                        <a:rPr lang="en-US" sz="1800" b="1" kern="1200" dirty="0">
+                          <a:solidFill>
+                            <a:schemeClr val="tx1"/>
+                          </a:solidFill>
+                          <a:effectLst/>
+                        </a:rPr>
+                        <a:t>General operating cost (findings printing)</a:t>
+                      </a:r>
+                      <a:endParaRPr lang="en-US" b="1" dirty="0">
+                        <a:solidFill>
+                          <a:schemeClr val="tx1"/>
+                        </a:solidFill>
+                        <a:latin typeface="Garamond" panose="02020404030301010803" pitchFamily="18" charset="0"/>
+                      </a:endParaRPr>
+                    </a:p>
+                  </a:txBody>
+                  <a:tcPr anchor="ctr"/>
+                </a:tc>
+                <a:tc>
+                  <a:txBody>
+                    <a:bodyPr/>
+                    <a:lstStyle/>
+                    <a:p>
+                      <a:pPr marL="0" algn="ctr" defTabSz="914400" rtl="0" eaLnBrk="1" latinLnBrk="0" hangingPunct="1"/>
+                      <a:r>
+                        <a:rPr lang="en-US" sz="1800" b="1" kern="1200" dirty="0">
+                          <a:solidFill>
+                            <a:schemeClr val="tx1"/>
+                          </a:solidFill>
+                          <a:latin typeface="Garamond" panose="02020404030301010803" pitchFamily="18" charset="0"/>
+                          <a:ea typeface="+mn-ea"/>
+                          <a:cs typeface="+mn-cs"/>
+                        </a:rPr>
+                        <a:t>20000.00</a:t>
+                      </a:r>
+                    </a:p>
+                  </a:txBody>
+                  <a:tcPr anchor="ctr"/>
+                </a:tc>
+                <a:extLst>
+                  <a:ext uri="{0D108BD9-81ED-4DB2-BD59-A6C34878D82A}">
+                    <a16:rowId xmlns:a16="http://schemas.microsoft.com/office/drawing/2014/main" val="7781942"/>
+                  </a:ext>
+                </a:extLst>
+              </a:tr>
+              <a:tr h="767404">
+                <a:tc>
+                  <a:txBody>
+                    <a:bodyPr/>
+                    <a:lstStyle/>
+                    <a:p>
+                      <a:pPr algn="l"/>
+                      <a:r>
+                        <a:rPr lang="en-US" sz="1800" b="1" kern="1200" dirty="0">
+                          <a:solidFill>
+                            <a:schemeClr val="tx1"/>
+                          </a:solidFill>
+                          <a:effectLst/>
+                        </a:rPr>
+                        <a:t>Total</a:t>
+                      </a:r>
+                      <a:endParaRPr lang="en-US" b="1" dirty="0">
+                        <a:solidFill>
+                          <a:schemeClr val="tx1"/>
+                        </a:solidFill>
+                        <a:latin typeface="Garamond" panose="02020404030301010803" pitchFamily="18" charset="0"/>
+                      </a:endParaRPr>
+                    </a:p>
+                  </a:txBody>
+                  <a:tcPr anchor="ctr"/>
+                </a:tc>
+                <a:tc>
+                  <a:txBody>
+                    <a:bodyPr/>
+                    <a:lstStyle/>
+                    <a:p>
+                      <a:pPr marL="0" algn="ctr" defTabSz="914400" rtl="0" eaLnBrk="1" latinLnBrk="0" hangingPunct="1"/>
+                      <a:r>
+                        <a:rPr lang="en-US" sz="1800" b="1" kern="1200" dirty="0">
+                          <a:solidFill>
+                            <a:schemeClr val="tx1"/>
+                          </a:solidFill>
+                          <a:latin typeface="Garamond" panose="02020404030301010803" pitchFamily="18" charset="0"/>
+                          <a:ea typeface="+mn-ea"/>
+                          <a:cs typeface="+mn-cs"/>
+                        </a:rPr>
+                        <a:t>160000.00</a:t>
+                      </a:r>
+                    </a:p>
+                  </a:txBody>
+                  <a:tcPr anchor="ctr"/>
+                </a:tc>
+                <a:extLst>
+                  <a:ext uri="{0D108BD9-81ED-4DB2-BD59-A6C34878D82A}">
+                    <a16:rowId xmlns:a16="http://schemas.microsoft.com/office/drawing/2014/main" val="2467794620"/>
+                  </a:ext>
+                </a:extLst>
+              </a:tr>
+            </a:tbl>
+          </a:graphicData>
+        </a:graphic>
+      </p:graphicFrame>
     </p:spTree>
     <p:extLst>
       <p:ext uri="{BB962C8B-B14F-4D97-AF65-F5344CB8AC3E}">
-        <p14:creationId xmlns:p14="http://schemas.microsoft.com/office/powerpoint/2010/main" val="369466052"/>
+        <p14:creationId xmlns:p14="http://schemas.microsoft.com/office/powerpoint/2010/main" val="2020075289"/>
       </p:ext>
     </p:extLst>
   </p:cSld>
@@ -8478,7 +9207,7 @@
         </p:spPr>
         <p:txBody>
           <a:bodyPr>
-            <a:normAutofit/>
+            <a:normAutofit lnSpcReduction="10000"/>
           </a:bodyPr>
           <a:lstStyle/>
           <a:p>
@@ -8567,6 +9296,17 @@
                 <a:latin typeface="Garamond" panose="02020404030301010803" pitchFamily="18" charset="0"/>
               </a:rPr>
               <a:t>Work Plan </a:t>
+            </a:r>
+          </a:p>
+          <a:p>
+            <a:r>
+              <a:rPr lang="en-US" sz="2800" b="1" dirty="0">
+                <a:solidFill>
+                  <a:schemeClr val="tx1"/>
+                </a:solidFill>
+                <a:latin typeface="Garamond" panose="02020404030301010803" pitchFamily="18" charset="0"/>
+              </a:rPr>
+              <a:t>Budget</a:t>
             </a:r>
           </a:p>
           <a:p>
@@ -8596,6 +9336,229 @@
 </file>
 
 <file path=ppt/slides/slide20.xml><?xml version="1.0" encoding="utf-8"?>
+<p:sld xmlns:a="http://schemas.openxmlformats.org/drawingml/2006/main" xmlns:r="http://schemas.openxmlformats.org/officeDocument/2006/relationships" xmlns:p="http://schemas.openxmlformats.org/presentationml/2006/main">
+  <p:cSld>
+    <p:spTree>
+      <p:nvGrpSpPr>
+        <p:cNvPr id="1" name=""/>
+        <p:cNvGrpSpPr/>
+        <p:nvPr/>
+      </p:nvGrpSpPr>
+      <p:grpSpPr>
+        <a:xfrm>
+          <a:off x="0" y="0"/>
+          <a:ext cx="0" cy="0"/>
+          <a:chOff x="0" y="0"/>
+          <a:chExt cx="0" cy="0"/>
+        </a:xfrm>
+      </p:grpSpPr>
+      <p:sp>
+        <p:nvSpPr>
+          <p:cNvPr id="2" name="Title 1">
+            <a:extLst>
+              <a:ext uri="{FF2B5EF4-FFF2-40B4-BE49-F238E27FC236}">
+                <a16:creationId xmlns:a16="http://schemas.microsoft.com/office/drawing/2014/main" id="{8805A12A-BD73-874F-2C2B-1EDCF526193F}"/>
+              </a:ext>
+            </a:extLst>
+          </p:cNvPr>
+          <p:cNvSpPr>
+            <a:spLocks noGrp="1"/>
+          </p:cNvSpPr>
+          <p:nvPr>
+            <p:ph type="title"/>
+          </p:nvPr>
+        </p:nvSpPr>
+        <p:spPr>
+          <a:xfrm>
+            <a:off x="285750" y="1123837"/>
+            <a:ext cx="2828925" cy="4601183"/>
+          </a:xfrm>
+        </p:spPr>
+        <p:style>
+          <a:lnRef idx="2">
+            <a:schemeClr val="accent1">
+              <a:shade val="15000"/>
+            </a:schemeClr>
+          </a:lnRef>
+          <a:fillRef idx="1">
+            <a:schemeClr val="accent1"/>
+          </a:fillRef>
+          <a:effectRef idx="0">
+            <a:schemeClr val="accent1"/>
+          </a:effectRef>
+          <a:fontRef idx="minor">
+            <a:schemeClr val="lt1"/>
+          </a:fontRef>
+        </p:style>
+        <p:txBody>
+          <a:bodyPr vert="horz" lIns="91440" tIns="45720" rIns="91440" bIns="45720" rtlCol="0" anchor="ctr">
+            <a:normAutofit/>
+          </a:bodyPr>
+          <a:lstStyle/>
+          <a:p>
+            <a:pPr algn="ctr"/>
+            <a:r>
+              <a:rPr lang="en-US" b="1" dirty="0">
+                <a:solidFill>
+                  <a:schemeClr val="lt1"/>
+                </a:solidFill>
+                <a:latin typeface="Garamond" panose="02020404030301010803" pitchFamily="18" charset="0"/>
+                <a:ea typeface="+mn-ea"/>
+                <a:cs typeface="+mn-cs"/>
+              </a:rPr>
+              <a:t>References</a:t>
+            </a:r>
+          </a:p>
+        </p:txBody>
+      </p:sp>
+      <p:sp>
+        <p:nvSpPr>
+          <p:cNvPr id="3" name="Content Placeholder 2">
+            <a:extLst>
+              <a:ext uri="{FF2B5EF4-FFF2-40B4-BE49-F238E27FC236}">
+                <a16:creationId xmlns:a16="http://schemas.microsoft.com/office/drawing/2014/main" id="{DB539917-1087-BAC1-84A9-78928572EBFE}"/>
+              </a:ext>
+            </a:extLst>
+          </p:cNvPr>
+          <p:cNvSpPr>
+            <a:spLocks noGrp="1"/>
+          </p:cNvSpPr>
+          <p:nvPr>
+            <p:ph idx="1"/>
+          </p:nvPr>
+        </p:nvSpPr>
+        <p:spPr>
+          <a:xfrm>
+            <a:off x="3892127" y="864108"/>
+            <a:ext cx="7903633" cy="5120640"/>
+          </a:xfrm>
+        </p:spPr>
+        <p:txBody>
+          <a:bodyPr>
+            <a:noAutofit/>
+          </a:bodyPr>
+          <a:lstStyle/>
+          <a:p>
+            <a:pPr marL="0" marR="0" indent="0" algn="just">
+              <a:lnSpc>
+                <a:spcPct val="100000"/>
+              </a:lnSpc>
+              <a:spcBef>
+                <a:spcPts val="0"/>
+              </a:spcBef>
+              <a:spcAft>
+                <a:spcPts val="800"/>
+              </a:spcAft>
+              <a:buNone/>
+            </a:pPr>
+            <a:r>
+              <a:rPr lang="en-US" sz="2800" dirty="0">
+                <a:solidFill>
+                  <a:schemeClr val="tx1"/>
+                </a:solidFill>
+                <a:effectLst/>
+                <a:latin typeface="Garamond" panose="02020404030301010803" pitchFamily="18" charset="0"/>
+                <a:ea typeface="Calibri" panose="020F0502020204030204" pitchFamily="34" charset="0"/>
+              </a:rPr>
+              <a:t>Ahmed, R., &amp; Yesmin, K. (2008). Menstrual hygiene: Breaking the silence. Beyond Construction: Use by All. A Collection of Case Studies from Sanitation and Hygiene Promotion Practitioners in South Asia. </a:t>
+            </a:r>
+          </a:p>
+          <a:p>
+            <a:pPr marL="0" marR="0" indent="0" algn="just">
+              <a:lnSpc>
+                <a:spcPct val="100000"/>
+              </a:lnSpc>
+              <a:spcBef>
+                <a:spcPts val="0"/>
+              </a:spcBef>
+              <a:spcAft>
+                <a:spcPts val="800"/>
+              </a:spcAft>
+              <a:buNone/>
+            </a:pPr>
+            <a:endParaRPr lang="en-US" sz="2800" dirty="0">
+              <a:solidFill>
+                <a:schemeClr val="tx1"/>
+              </a:solidFill>
+              <a:effectLst/>
+              <a:latin typeface="Garamond" panose="02020404030301010803" pitchFamily="18" charset="0"/>
+              <a:ea typeface="Calibri" panose="020F0502020204030204" pitchFamily="34" charset="0"/>
+            </a:endParaRPr>
+          </a:p>
+          <a:p>
+            <a:pPr marL="0" marR="0" indent="0" algn="just">
+              <a:lnSpc>
+                <a:spcPct val="100000"/>
+              </a:lnSpc>
+              <a:spcBef>
+                <a:spcPts val="0"/>
+              </a:spcBef>
+              <a:spcAft>
+                <a:spcPts val="800"/>
+              </a:spcAft>
+              <a:buNone/>
+            </a:pPr>
+            <a:r>
+              <a:rPr lang="en-US" sz="2800" dirty="0" err="1">
+                <a:solidFill>
+                  <a:schemeClr val="tx1"/>
+                </a:solidFill>
+                <a:effectLst/>
+                <a:latin typeface="Garamond" panose="02020404030301010803" pitchFamily="18" charset="0"/>
+                <a:ea typeface="Calibri" panose="020F0502020204030204" pitchFamily="34" charset="0"/>
+              </a:rPr>
+              <a:t>Hennegan</a:t>
+            </a:r>
+            <a:r>
+              <a:rPr lang="en-US" sz="2800" dirty="0">
+                <a:solidFill>
+                  <a:schemeClr val="tx1"/>
+                </a:solidFill>
+                <a:effectLst/>
+                <a:latin typeface="Garamond" panose="02020404030301010803" pitchFamily="18" charset="0"/>
+                <a:ea typeface="Calibri" panose="020F0502020204030204" pitchFamily="34" charset="0"/>
+              </a:rPr>
+              <a:t>, J., </a:t>
+            </a:r>
+            <a:r>
+              <a:rPr lang="en-US" sz="2800" dirty="0" err="1">
+                <a:solidFill>
+                  <a:schemeClr val="tx1"/>
+                </a:solidFill>
+                <a:effectLst/>
+                <a:latin typeface="Garamond" panose="02020404030301010803" pitchFamily="18" charset="0"/>
+                <a:ea typeface="Calibri" panose="020F0502020204030204" pitchFamily="34" charset="0"/>
+              </a:rPr>
+              <a:t>Kibira</a:t>
+            </a:r>
+            <a:r>
+              <a:rPr lang="en-US" sz="2800" dirty="0">
+                <a:solidFill>
+                  <a:schemeClr val="tx1"/>
+                </a:solidFill>
+                <a:effectLst/>
+                <a:latin typeface="Garamond" panose="02020404030301010803" pitchFamily="18" charset="0"/>
+                <a:ea typeface="Calibri" panose="020F0502020204030204" pitchFamily="34" charset="0"/>
+              </a:rPr>
+              <a:t>, S. P. S., Exum, N. G., Schwab, K. J., Makumbi, F. E., &amp; Bukenya, J. (2020). ’ I do what a woman should do’: a grounded theory study of women’s menstrual experiences at work in Mukono District, Uganda.</a:t>
+            </a:r>
+          </a:p>
+        </p:txBody>
+      </p:sp>
+    </p:spTree>
+    <p:extLst>
+      <p:ext uri="{BB962C8B-B14F-4D97-AF65-F5344CB8AC3E}">
+        <p14:creationId xmlns:p14="http://schemas.microsoft.com/office/powerpoint/2010/main" val="369466052"/>
+      </p:ext>
+    </p:extLst>
+  </p:cSld>
+  <p:clrMapOvr>
+    <a:masterClrMapping/>
+  </p:clrMapOvr>
+</p:sld>
+</file>
+
+<file path=ppt/slides/slide21.xml><?xml version="1.0" encoding="utf-8"?>
 <p:sld xmlns:a="http://schemas.openxmlformats.org/drawingml/2006/main" xmlns:r="http://schemas.openxmlformats.org/officeDocument/2006/relationships" xmlns:p="http://schemas.openxmlformats.org/presentationml/2006/main">
   <p:cSld>
     <p:spTree>
@@ -9519,7 +10482,7 @@
                 <a:latin typeface="Garamond" panose="02020404030301010803" pitchFamily="18" charset="0"/>
                 <a:ea typeface="Calibri" panose="020F0502020204030204" pitchFamily="34" charset="0"/>
               </a:rPr>
-              <a:t>Cultural constraints and discriminatory gender roles exacerbate women's challenges during menstruation.</a:t>
+              <a:t>Cultural constraints and discriminatory gender roles intensify women's challenges during menstruation.</a:t>
             </a:r>
           </a:p>
           <a:p>
@@ -10558,6 +11521,301 @@
 </a:theme>
 </file>
 
+<file path=ppt/theme/theme2.xml><?xml version="1.0" encoding="utf-8"?>
+<a:theme xmlns:a="http://schemas.openxmlformats.org/drawingml/2006/main" name="Office Theme">
+  <a:themeElements>
+    <a:clrScheme name="Office">
+      <a:dk1>
+        <a:sysClr val="windowText" lastClr="000000"/>
+      </a:dk1>
+      <a:lt1>
+        <a:sysClr val="window" lastClr="FFFFFF"/>
+      </a:lt1>
+      <a:dk2>
+        <a:srgbClr val="44546A"/>
+      </a:dk2>
+      <a:lt2>
+        <a:srgbClr val="E7E6E6"/>
+      </a:lt2>
+      <a:accent1>
+        <a:srgbClr val="4472C4"/>
+      </a:accent1>
+      <a:accent2>
+        <a:srgbClr val="ED7D31"/>
+      </a:accent2>
+      <a:accent3>
+        <a:srgbClr val="A5A5A5"/>
+      </a:accent3>
+      <a:accent4>
+        <a:srgbClr val="FFC000"/>
+      </a:accent4>
+      <a:accent5>
+        <a:srgbClr val="5B9BD5"/>
+      </a:accent5>
+      <a:accent6>
+        <a:srgbClr val="70AD47"/>
+      </a:accent6>
+      <a:hlink>
+        <a:srgbClr val="0563C1"/>
+      </a:hlink>
+      <a:folHlink>
+        <a:srgbClr val="954F72"/>
+      </a:folHlink>
+    </a:clrScheme>
+    <a:fontScheme name="Office">
+      <a:majorFont>
+        <a:latin typeface="Calibri Light" panose="020F0302020204030204"/>
+        <a:ea typeface=""/>
+        <a:cs typeface=""/>
+        <a:font script="Jpan" typeface="游ゴシック Light"/>
+        <a:font script="Hang" typeface="맑은 고딕"/>
+        <a:font script="Hans" typeface="等线 Light"/>
+        <a:font script="Hant" typeface="新細明體"/>
+        <a:font script="Arab" typeface="Times New Roman"/>
+        <a:font script="Hebr" typeface="Times New Roman"/>
+        <a:font script="Thai" typeface="Angsana New"/>
+        <a:font script="Ethi" typeface="Nyala"/>
+        <a:font script="Beng" typeface="Vrinda"/>
+        <a:font script="Gujr" typeface="Shruti"/>
+        <a:font script="Khmr" typeface="MoolBoran"/>
+        <a:font script="Knda" typeface="Tunga"/>
+        <a:font script="Guru" typeface="Raavi"/>
+        <a:font script="Cans" typeface="Euphemia"/>
+        <a:font script="Cher" typeface="Plantagenet Cherokee"/>
+        <a:font script="Yiii" typeface="Microsoft Yi Baiti"/>
+        <a:font script="Tibt" typeface="Microsoft Himalaya"/>
+        <a:font script="Thaa" typeface="MV Boli"/>
+        <a:font script="Deva" typeface="Mangal"/>
+        <a:font script="Telu" typeface="Gautami"/>
+        <a:font script="Taml" typeface="Latha"/>
+        <a:font script="Syrc" typeface="Estrangelo Edessa"/>
+        <a:font script="Orya" typeface="Kalinga"/>
+        <a:font script="Mlym" typeface="Kartika"/>
+        <a:font script="Laoo" typeface="DokChampa"/>
+        <a:font script="Sinh" typeface="Iskoola Pota"/>
+        <a:font script="Mong" typeface="Mongolian Baiti"/>
+        <a:font script="Viet" typeface="Times New Roman"/>
+        <a:font script="Uigh" typeface="Microsoft Uighur"/>
+        <a:font script="Geor" typeface="Sylfaen"/>
+        <a:font script="Armn" typeface="Arial"/>
+        <a:font script="Bugi" typeface="Leelawadee UI"/>
+        <a:font script="Bopo" typeface="Microsoft JhengHei"/>
+        <a:font script="Java" typeface="Javanese Text"/>
+        <a:font script="Lisu" typeface="Segoe UI"/>
+        <a:font script="Mymr" typeface="Myanmar Text"/>
+        <a:font script="Nkoo" typeface="Ebrima"/>
+        <a:font script="Olck" typeface="Nirmala UI"/>
+        <a:font script="Osma" typeface="Ebrima"/>
+        <a:font script="Phag" typeface="Phagspa"/>
+        <a:font script="Syrn" typeface="Estrangelo Edessa"/>
+        <a:font script="Syrj" typeface="Estrangelo Edessa"/>
+        <a:font script="Syre" typeface="Estrangelo Edessa"/>
+        <a:font script="Sora" typeface="Nirmala UI"/>
+        <a:font script="Tale" typeface="Microsoft Tai Le"/>
+        <a:font script="Talu" typeface="Microsoft New Tai Lue"/>
+        <a:font script="Tfng" typeface="Ebrima"/>
+      </a:majorFont>
+      <a:minorFont>
+        <a:latin typeface="Calibri" panose="020F0502020204030204"/>
+        <a:ea typeface=""/>
+        <a:cs typeface=""/>
+        <a:font script="Jpan" typeface="游ゴシック"/>
+        <a:font script="Hang" typeface="맑은 고딕"/>
+        <a:font script="Hans" typeface="等线"/>
+        <a:font script="Hant" typeface="新細明體"/>
+        <a:font script="Arab" typeface="Arial"/>
+        <a:font script="Hebr" typeface="Arial"/>
+        <a:font script="Thai" typeface="Cordia New"/>
+        <a:font script="Ethi" typeface="Nyala"/>
+        <a:font script="Beng" typeface="Vrinda"/>
+        <a:font script="Gujr" typeface="Shruti"/>
+        <a:font script="Khmr" typeface="DaunPenh"/>
+        <a:font script="Knda" typeface="Tunga"/>
+        <a:font script="Guru" typeface="Raavi"/>
+        <a:font script="Cans" typeface="Euphemia"/>
+        <a:font script="Cher" typeface="Plantagenet Cherokee"/>
+        <a:font script="Yiii" typeface="Microsoft Yi Baiti"/>
+        <a:font script="Tibt" typeface="Microsoft Himalaya"/>
+        <a:font script="Thaa" typeface="MV Boli"/>
+        <a:font script="Deva" typeface="Mangal"/>
+        <a:font script="Telu" typeface="Gautami"/>
+        <a:font script="Taml" typeface="Latha"/>
+        <a:font script="Syrc" typeface="Estrangelo Edessa"/>
+        <a:font script="Orya" typeface="Kalinga"/>
+        <a:font script="Mlym" typeface="Kartika"/>
+        <a:font script="Laoo" typeface="DokChampa"/>
+        <a:font script="Sinh" typeface="Iskoola Pota"/>
+        <a:font script="Mong" typeface="Mongolian Baiti"/>
+        <a:font script="Viet" typeface="Arial"/>
+        <a:font script="Uigh" typeface="Microsoft Uighur"/>
+        <a:font script="Geor" typeface="Sylfaen"/>
+        <a:font script="Armn" typeface="Arial"/>
+        <a:font script="Bugi" typeface="Leelawadee UI"/>
+        <a:font script="Bopo" typeface="Microsoft JhengHei"/>
+        <a:font script="Java" typeface="Javanese Text"/>
+        <a:font script="Lisu" typeface="Segoe UI"/>
+        <a:font script="Mymr" typeface="Myanmar Text"/>
+        <a:font script="Nkoo" typeface="Ebrima"/>
+        <a:font script="Olck" typeface="Nirmala UI"/>
+        <a:font script="Osma" typeface="Ebrima"/>
+        <a:font script="Phag" typeface="Phagspa"/>
+        <a:font script="Syrn" typeface="Estrangelo Edessa"/>
+        <a:font script="Syrj" typeface="Estrangelo Edessa"/>
+        <a:font script="Syre" typeface="Estrangelo Edessa"/>
+        <a:font script="Sora" typeface="Nirmala UI"/>
+        <a:font script="Tale" typeface="Microsoft Tai Le"/>
+        <a:font script="Talu" typeface="Microsoft New Tai Lue"/>
+        <a:font script="Tfng" typeface="Ebrima"/>
+      </a:minorFont>
+    </a:fontScheme>
+    <a:fmtScheme name="Office">
+      <a:fillStyleLst>
+        <a:solidFill>
+          <a:schemeClr val="phClr"/>
+        </a:solidFill>
+        <a:gradFill rotWithShape="1">
+          <a:gsLst>
+            <a:gs pos="0">
+              <a:schemeClr val="phClr">
+                <a:lumMod val="110000"/>
+                <a:satMod val="105000"/>
+                <a:tint val="67000"/>
+              </a:schemeClr>
+            </a:gs>
+            <a:gs pos="50000">
+              <a:schemeClr val="phClr">
+                <a:lumMod val="105000"/>
+                <a:satMod val="103000"/>
+                <a:tint val="73000"/>
+              </a:schemeClr>
+            </a:gs>
+            <a:gs pos="100000">
+              <a:schemeClr val="phClr">
+                <a:lumMod val="105000"/>
+                <a:satMod val="109000"/>
+                <a:tint val="81000"/>
+              </a:schemeClr>
+            </a:gs>
+          </a:gsLst>
+          <a:lin ang="5400000" scaled="0"/>
+        </a:gradFill>
+        <a:gradFill rotWithShape="1">
+          <a:gsLst>
+            <a:gs pos="0">
+              <a:schemeClr val="phClr">
+                <a:satMod val="103000"/>
+                <a:lumMod val="102000"/>
+                <a:tint val="94000"/>
+              </a:schemeClr>
+            </a:gs>
+            <a:gs pos="50000">
+              <a:schemeClr val="phClr">
+                <a:satMod val="110000"/>
+                <a:lumMod val="100000"/>
+                <a:shade val="100000"/>
+              </a:schemeClr>
+            </a:gs>
+            <a:gs pos="100000">
+              <a:schemeClr val="phClr">
+                <a:lumMod val="99000"/>
+                <a:satMod val="120000"/>
+                <a:shade val="78000"/>
+              </a:schemeClr>
+            </a:gs>
+          </a:gsLst>
+          <a:lin ang="5400000" scaled="0"/>
+        </a:gradFill>
+      </a:fillStyleLst>
+      <a:lnStyleLst>
+        <a:ln w="6350" cap="flat" cmpd="sng" algn="ctr">
+          <a:solidFill>
+            <a:schemeClr val="phClr"/>
+          </a:solidFill>
+          <a:prstDash val="solid"/>
+          <a:miter lim="800000"/>
+        </a:ln>
+        <a:ln w="12700" cap="flat" cmpd="sng" algn="ctr">
+          <a:solidFill>
+            <a:schemeClr val="phClr"/>
+          </a:solidFill>
+          <a:prstDash val="solid"/>
+          <a:miter lim="800000"/>
+        </a:ln>
+        <a:ln w="19050" cap="flat" cmpd="sng" algn="ctr">
+          <a:solidFill>
+            <a:schemeClr val="phClr"/>
+          </a:solidFill>
+          <a:prstDash val="solid"/>
+          <a:miter lim="800000"/>
+        </a:ln>
+      </a:lnStyleLst>
+      <a:effectStyleLst>
+        <a:effectStyle>
+          <a:effectLst/>
+        </a:effectStyle>
+        <a:effectStyle>
+          <a:effectLst/>
+        </a:effectStyle>
+        <a:effectStyle>
+          <a:effectLst>
+            <a:outerShdw blurRad="57150" dist="19050" dir="5400000" algn="ctr" rotWithShape="0">
+              <a:srgbClr val="000000">
+                <a:alpha val="63000"/>
+              </a:srgbClr>
+            </a:outerShdw>
+          </a:effectLst>
+        </a:effectStyle>
+      </a:effectStyleLst>
+      <a:bgFillStyleLst>
+        <a:solidFill>
+          <a:schemeClr val="phClr"/>
+        </a:solidFill>
+        <a:solidFill>
+          <a:schemeClr val="phClr">
+            <a:tint val="95000"/>
+            <a:satMod val="170000"/>
+          </a:schemeClr>
+        </a:solidFill>
+        <a:gradFill rotWithShape="1">
+          <a:gsLst>
+            <a:gs pos="0">
+              <a:schemeClr val="phClr">
+                <a:tint val="93000"/>
+                <a:satMod val="150000"/>
+                <a:shade val="98000"/>
+                <a:lumMod val="102000"/>
+              </a:schemeClr>
+            </a:gs>
+            <a:gs pos="50000">
+              <a:schemeClr val="phClr">
+                <a:tint val="98000"/>
+                <a:satMod val="130000"/>
+                <a:shade val="90000"/>
+                <a:lumMod val="103000"/>
+              </a:schemeClr>
+            </a:gs>
+            <a:gs pos="100000">
+              <a:schemeClr val="phClr">
+                <a:shade val="63000"/>
+                <a:satMod val="120000"/>
+              </a:schemeClr>
+            </a:gs>
+          </a:gsLst>
+          <a:lin ang="5400000" scaled="0"/>
+        </a:gradFill>
+      </a:bgFillStyleLst>
+    </a:fmtScheme>
+  </a:themeElements>
+  <a:objectDefaults/>
+  <a:extraClrSchemeLst/>
+  <a:extLst>
+    <a:ext uri="{05A4C25C-085E-4340-85A3-A5531E510DB2}">
+      <thm15:themeFamily xmlns:thm15="http://schemas.microsoft.com/office/thememl/2012/main" name="Office Theme" id="{62F939B6-93AF-4DB8-9C6B-D6C7DFDC589F}" vid="{4A3C46E8-61CC-4603-A589-7422A47A8E4A}"/>
+    </a:ext>
+  </a:extLst>
+</a:theme>
+</file>
+
 <file path=ppt/theme/themeOverride1.xml><?xml version="1.0" encoding="utf-8"?>
 <a:themeOverride xmlns:a="http://schemas.openxmlformats.org/drawingml/2006/main">
   <a:clrScheme name="Green">
